--- a/Near Field Communication (NFC).pptx
+++ b/Near Field Communication (NFC).pptx
@@ -30152,56 +30152,6 @@
           </a:p>
         </p:txBody>
       </p:sp>
-      <p:sp>
-        <p:nvSpPr>
-          <p:cNvPr id="205" name="Shape 205"/>
-          <p:cNvSpPr txBox="1">
-            <a:spLocks noGrp="1"/>
-          </p:cNvSpPr>
-          <p:nvPr>
-            <p:ph type="subTitle" idx="1"/>
-          </p:nvPr>
-        </p:nvSpPr>
-        <p:spPr>
-          <a:xfrm>
-            <a:off x="971550" y="2842021"/>
-            <a:ext cx="6400799" cy="431006"/>
-          </a:xfrm>
-          <a:prstGeom prst="rect">
-            <a:avLst/>
-          </a:prstGeom>
-          <a:noFill/>
-          <a:ln>
-            <a:noFill/>
-          </a:ln>
-        </p:spPr>
-        <p:txBody>
-          <a:bodyPr lIns="91425" tIns="45700" rIns="91425" bIns="45700" anchor="t" anchorCtr="0">
-            <a:noAutofit/>
-          </a:bodyPr>
-          <a:lstStyle/>
-          <a:p>
-            <a:pPr marL="0" marR="0" lvl="0" indent="0" rtl="0">
-              <a:spcBef>
-                <a:spcPts val="0"/>
-              </a:spcBef>
-              <a:spcAft>
-                <a:spcPts val="0"/>
-              </a:spcAft>
-              <a:buClr>
-                <a:srgbClr val="888888"/>
-              </a:buClr>
-              <a:buSzPct val="25000"/>
-              <a:buFont typeface="Arial"/>
-              <a:buNone/>
-            </a:pPr>
-            <a:r>
-              <a:rPr lang="fr"/>
-              <a:t>Protocols and weaknesses</a:t>
-            </a:r>
-          </a:p>
-        </p:txBody>
-      </p:sp>
       <p:pic>
         <p:nvPicPr>
           <p:cNvPr id="206" name="Shape 206" descr="sceau-ra-quadri.jpg"/>
@@ -31733,12 +31683,20 @@
               <a:t>, </a:t>
             </a:r>
             <a:r>
-              <a:rPr lang="fr" sz="1800" b="1" dirty="0">
+              <a:rPr lang="fr" sz="1800" b="1" dirty="0" smtClean="0">
                 <a:solidFill>
                   <a:schemeClr val="dk2"/>
                 </a:solidFill>
               </a:rPr>
-              <a:t>AES-128</a:t>
+              <a:t>AES-128, etc.</a:t>
+            </a:r>
+            <a:r>
+              <a:rPr lang="fr" sz="1800" dirty="0" smtClean="0">
+                <a:solidFill>
+                  <a:schemeClr val="dk2"/>
+                </a:solidFill>
+              </a:rPr>
+              <a:t>, </a:t>
             </a:r>
             <a:r>
               <a:rPr lang="fr" sz="1800" dirty="0">
@@ -31746,7 +31704,7 @@
                   <a:schemeClr val="dk2"/>
                 </a:solidFill>
               </a:rPr>
-              <a:t>, directly on the chip. (MIFARE DESFire Family</a:t>
+              <a:t>directly on the chip. (MIFARE DESFire Family</a:t>
             </a:r>
             <a:r>
               <a:rPr lang="fr" sz="1800" dirty="0" smtClean="0">
@@ -32900,8 +32858,21 @@
                   <a:schemeClr val="dk2"/>
                 </a:solidFill>
               </a:rPr>
-              <a:t> their products. But compliance with the ISO/IEC 14443 does not answer at the known security possible attacks :</a:t>
+              <a:t> their products. </a:t>
             </a:r>
+            <a:r>
+              <a:rPr lang="fr" sz="1800" dirty="0" smtClean="0">
+                <a:solidFill>
+                  <a:schemeClr val="dk2"/>
+                </a:solidFill>
+              </a:rPr>
+              <a:t>It depends of the implementation but NFC is attackable by:</a:t>
+            </a:r>
+            <a:endParaRPr lang="fr" sz="1800" dirty="0">
+              <a:solidFill>
+                <a:schemeClr val="dk2"/>
+              </a:solidFill>
+            </a:endParaRPr>
           </a:p>
           <a:p>
             <a:pPr marL="457200" lvl="0" indent="-342900" rtl="0">
@@ -33033,7 +33004,15 @@
                   <a:schemeClr val="dk2"/>
                 </a:solidFill>
               </a:rPr>
-              <a:t>attack</a:t>
+              <a:t>attack </a:t>
+            </a:r>
+            <a:r>
+              <a:rPr lang="fr" sz="1000" dirty="0" smtClean="0">
+                <a:solidFill>
+                  <a:schemeClr val="dk2"/>
+                </a:solidFill>
+              </a:rPr>
+              <a:t>(protection : distance bounding protocol)</a:t>
             </a:r>
             <a:endParaRPr lang="fr" sz="1000" dirty="0">
               <a:solidFill>
@@ -33172,10 +33151,30 @@
             </a:endParaRPr>
           </a:p>
           <a:p>
-            <a:pPr marL="457200" lvl="0" indent="-342900" rtl="0">
-              <a:spcBef>
-                <a:spcPts val="0"/>
-              </a:spcBef>
+            <a:pPr marL="457200" lvl="0" indent="-342900">
+              <a:buClr>
+                <a:schemeClr val="dk2"/>
+              </a:buClr>
+              <a:buSzPct val="100000"/>
+              <a:buFont typeface="Wingdings" panose="05000000000000000000" pitchFamily="2" charset="2"/>
+              <a:buChar char="Ø"/>
+            </a:pPr>
+            <a:r>
+              <a:rPr lang="fr" dirty="0">
+                <a:solidFill>
+                  <a:schemeClr val="dk2"/>
+                </a:solidFill>
+              </a:rPr>
+              <a:t>Data modification </a:t>
+            </a:r>
+            <a:endParaRPr lang="fr" dirty="0" smtClean="0">
+              <a:solidFill>
+                <a:schemeClr val="dk2"/>
+              </a:solidFill>
+            </a:endParaRPr>
+          </a:p>
+          <a:p>
+            <a:pPr marL="457200" lvl="0" indent="-342900">
               <a:buClr>
                 <a:schemeClr val="dk2"/>
               </a:buClr>
@@ -33191,6 +33190,37 @@
               </a:rPr>
               <a:t>Privacy</a:t>
             </a:r>
+            <a:endParaRPr lang="fr" dirty="0" smtClean="0">
+              <a:solidFill>
+                <a:schemeClr val="dk2"/>
+              </a:solidFill>
+            </a:endParaRPr>
+          </a:p>
+          <a:p>
+            <a:pPr marL="457200" lvl="0" indent="-342900" rtl="0">
+              <a:spcBef>
+                <a:spcPts val="0"/>
+              </a:spcBef>
+              <a:buClr>
+                <a:schemeClr val="dk2"/>
+              </a:buClr>
+              <a:buSzPct val="100000"/>
+              <a:buFont typeface="Wingdings" panose="05000000000000000000" pitchFamily="2" charset="2"/>
+              <a:buChar char="Ø"/>
+            </a:pPr>
+            <a:endParaRPr lang="fr" dirty="0" smtClean="0">
+              <a:solidFill>
+                <a:schemeClr val="dk2"/>
+              </a:solidFill>
+            </a:endParaRPr>
+          </a:p>
+          <a:p>
+            <a:pPr marL="114300" lvl="1">
+              <a:buClr>
+                <a:schemeClr val="dk2"/>
+              </a:buClr>
+              <a:buSzPct val="100000"/>
+            </a:pPr>
             <a:endParaRPr lang="fr" dirty="0">
               <a:solidFill>
                 <a:schemeClr val="dk2"/>
@@ -33280,7 +33310,7 @@
         </p:blipFill>
         <p:spPr>
           <a:xfrm>
-            <a:off x="1574179" y="2844525"/>
+            <a:off x="1567304" y="2451685"/>
             <a:ext cx="5259699" cy="1265500"/>
           </a:xfrm>
           <a:prstGeom prst="rect">
@@ -33559,6 +33589,55 @@
                       </p:childTnLst>
                     </p:cTn>
                   </p:par>
+                  <p:par>
+                    <p:cTn id="23" fill="hold">
+                      <p:stCondLst>
+                        <p:cond delay="indefinite"/>
+                      </p:stCondLst>
+                      <p:childTnLst>
+                        <p:par>
+                          <p:cTn id="24" fill="hold">
+                            <p:stCondLst>
+                              <p:cond delay="0"/>
+                            </p:stCondLst>
+                            <p:childTnLst>
+                              <p:par>
+                                <p:cTn id="25" presetID="1" presetClass="entr" presetSubtype="0" fill="hold" nodeType="clickEffect">
+                                  <p:stCondLst>
+                                    <p:cond delay="0"/>
+                                  </p:stCondLst>
+                                  <p:childTnLst>
+                                    <p:set>
+                                      <p:cBhvr>
+                                        <p:cTn id="26" dur="1" fill="hold">
+                                          <p:stCondLst>
+                                            <p:cond delay="0"/>
+                                          </p:stCondLst>
+                                        </p:cTn>
+                                        <p:tgtEl>
+                                          <p:spTgt spid="325">
+                                            <p:txEl>
+                                              <p:pRg st="15" end="15"/>
+                                            </p:txEl>
+                                          </p:spTgt>
+                                        </p:tgtEl>
+                                        <p:attrNameLst>
+                                          <p:attrName>style.visibility</p:attrName>
+                                        </p:attrNameLst>
+                                      </p:cBhvr>
+                                      <p:to>
+                                        <p:strVal val="visible"/>
+                                      </p:to>
+                                    </p:set>
+                                  </p:childTnLst>
+                                </p:cTn>
+                              </p:par>
+                            </p:childTnLst>
+                          </p:cTn>
+                        </p:par>
+                      </p:childTnLst>
+                    </p:cTn>
+                  </p:par>
                 </p:childTnLst>
               </p:cTn>
               <p:prevCondLst>
@@ -33903,13 +33982,38 @@
               <a:buChar char="●"/>
             </a:pPr>
             <a:r>
-              <a:rPr lang="fr" sz="1800" dirty="0">
+              <a:rPr lang="fr" sz="1800" dirty="0" smtClean="0">
                 <a:solidFill>
                   <a:schemeClr val="dk2"/>
                 </a:solidFill>
               </a:rPr>
-              <a:t>Transport tickets</a:t>
+              <a:t>Electronic ticketing for transportations</a:t>
             </a:r>
+          </a:p>
+          <a:p>
+            <a:pPr marL="457200" lvl="0" indent="-342900" rtl="0">
+              <a:spcBef>
+                <a:spcPts val="0"/>
+              </a:spcBef>
+              <a:buClr>
+                <a:schemeClr val="dk2"/>
+              </a:buClr>
+              <a:buSzPct val="100000"/>
+              <a:buChar char="●"/>
+            </a:pPr>
+            <a:r>
+              <a:rPr lang="fr" sz="1800" dirty="0" smtClean="0">
+                <a:solidFill>
+                  <a:schemeClr val="dk2"/>
+                </a:solidFill>
+              </a:rPr>
+              <a:t>Healthcare, patient moniroting</a:t>
+            </a:r>
+            <a:endParaRPr lang="fr" sz="1800" dirty="0">
+              <a:solidFill>
+                <a:schemeClr val="dk2"/>
+              </a:solidFill>
+            </a:endParaRPr>
           </a:p>
           <a:p>
             <a:pPr marL="457200" lvl="0" indent="-342900" rtl="0">
@@ -34907,7 +35011,23 @@
                   <a:schemeClr val="dk2"/>
                 </a:solidFill>
               </a:rPr>
-              <a:t>A typical exchange with NFC</a:t>
+              <a:t>A typical </a:t>
+            </a:r>
+            <a:r>
+              <a:rPr lang="fr" sz="1800" b="1" dirty="0" smtClean="0">
+                <a:solidFill>
+                  <a:schemeClr val="dk2"/>
+                </a:solidFill>
+              </a:rPr>
+              <a:t>authentication </a:t>
+            </a:r>
+            <a:r>
+              <a:rPr lang="fr" sz="1800" b="1" dirty="0">
+                <a:solidFill>
+                  <a:schemeClr val="dk2"/>
+                </a:solidFill>
+              </a:rPr>
+              <a:t>with NFC</a:t>
             </a:r>
           </a:p>
           <a:p>
@@ -36830,7 +36950,7 @@
                   <a:schemeClr val="dk2"/>
                 </a:solidFill>
               </a:rPr>
-              <a:t>Depends of the class tag.</a:t>
+              <a:t>Depends of the class tag, and others of protocols</a:t>
             </a:r>
             <a:endParaRPr lang="fr" sz="1800" b="1" dirty="0">
               <a:solidFill>
@@ -38365,8 +38485,8 @@
         </p:nvSpPr>
         <p:spPr>
           <a:xfrm>
-            <a:off x="923550" y="977200"/>
-            <a:ext cx="6955200" cy="3647700"/>
+            <a:off x="923549" y="977200"/>
+            <a:ext cx="7079169" cy="3647700"/>
           </a:xfrm>
           <a:prstGeom prst="rect">
             <a:avLst/>
@@ -38536,7 +38656,23 @@
                   <a:schemeClr val="dk2"/>
                 </a:solidFill>
               </a:rPr>
-              <a:t>Reader and Tag must share a secret key (</a:t>
+              <a:t>Reader and </a:t>
+            </a:r>
+            <a:r>
+              <a:rPr lang="fr" dirty="0" smtClean="0">
+                <a:solidFill>
+                  <a:schemeClr val="dk2"/>
+                </a:solidFill>
+              </a:rPr>
+              <a:t>Smart card must </a:t>
+            </a:r>
+            <a:r>
+              <a:rPr lang="fr" dirty="0">
+                <a:solidFill>
+                  <a:schemeClr val="dk2"/>
+                </a:solidFill>
+              </a:rPr>
+              <a:t>share a secret key (</a:t>
             </a:r>
             <a:r>
               <a:rPr lang="fr" dirty="0">
@@ -39331,8 +39467,21 @@
                   <a:schemeClr val="dk2"/>
                 </a:solidFill>
               </a:rPr>
-              <a:t>) to Tag</a:t>
+              <a:t>) to </a:t>
             </a:r>
+            <a:r>
+              <a:rPr lang="fr" dirty="0" smtClean="0">
+                <a:solidFill>
+                  <a:schemeClr val="dk2"/>
+                </a:solidFill>
+              </a:rPr>
+              <a:t>Tag</a:t>
+            </a:r>
+            <a:endParaRPr lang="fr" dirty="0">
+              <a:solidFill>
+                <a:schemeClr val="dk2"/>
+              </a:solidFill>
+            </a:endParaRPr>
           </a:p>
           <a:p>
             <a:pPr marL="914400" lvl="1" indent="-228600" rtl="0">
@@ -39798,18 +39947,10 @@
                   <a:schemeClr val="dk2"/>
                 </a:solidFill>
               </a:rPr>
-              <a:t>CRYPTO-1 </a:t>
+              <a:t>CRYPTO-1 (</a:t>
             </a:r>
             <a:r>
-              <a:rPr lang="fr">
-                <a:solidFill>
-                  <a:schemeClr val="dk2"/>
-                </a:solidFill>
-              </a:rPr>
-              <a:t>(</a:t>
-            </a:r>
-            <a:r>
-              <a:rPr lang="fr" smtClean="0">
+              <a:rPr lang="fr" dirty="0" smtClean="0">
                 <a:solidFill>
                   <a:schemeClr val="dk2"/>
                 </a:solidFill>

--- a/Near Field Communication (NFC).pptx
+++ b/Near Field Communication (NFC).pptx
@@ -30341,6 +30341,48 @@
           </a:p>
         </p:txBody>
       </p:sp>
+      <p:sp>
+        <p:nvSpPr>
+          <p:cNvPr id="3" name="ZoneTexte 2"/>
+          <p:cNvSpPr txBox="1"/>
+          <p:nvPr/>
+        </p:nvSpPr>
+        <p:spPr>
+          <a:xfrm>
+            <a:off x="4108950" y="3349210"/>
+            <a:ext cx="1739422" cy="307777"/>
+          </a:xfrm>
+          <a:prstGeom prst="rect">
+            <a:avLst/>
+          </a:prstGeom>
+          <a:noFill/>
+        </p:spPr>
+        <p:txBody>
+          <a:bodyPr wrap="square" rtlCol="0">
+            <a:spAutoFit/>
+          </a:bodyPr>
+          <a:lstStyle/>
+          <a:p>
+            <a:r>
+              <a:rPr lang="fr-BE" i="1" dirty="0" err="1" smtClean="0">
+                <a:solidFill>
+                  <a:schemeClr val="tx2">
+                    <a:lumMod val="75000"/>
+                  </a:schemeClr>
+                </a:solidFill>
+              </a:rPr>
+              <a:t>Authentication</a:t>
+            </a:r>
+            <a:endParaRPr lang="en-US" i="1" dirty="0">
+              <a:solidFill>
+                <a:schemeClr val="tx2">
+                  <a:lumMod val="75000"/>
+                </a:schemeClr>
+              </a:solidFill>
+            </a:endParaRPr>
+          </a:p>
+        </p:txBody>
+      </p:sp>
     </p:spTree>
   </p:cSld>
   <p:clrMapOvr>
@@ -36950,7 +36992,39 @@
                   <a:schemeClr val="dk2"/>
                 </a:solidFill>
               </a:rPr>
-              <a:t>Depends of the class tag, and others of protocols</a:t>
+              <a:t>Depends of the class tag</a:t>
+            </a:r>
+            <a:r>
+              <a:rPr lang="fr" sz="1800" b="1" smtClean="0">
+                <a:solidFill>
+                  <a:schemeClr val="dk2"/>
+                </a:solidFill>
+              </a:rPr>
+              <a:t>, </a:t>
+            </a:r>
+            <a:r>
+              <a:rPr lang="fr" sz="1800" b="1" smtClean="0">
+                <a:solidFill>
+                  <a:schemeClr val="dk2"/>
+                </a:solidFill>
+              </a:rPr>
+              <a:t>and </a:t>
+            </a:r>
+            <a:r>
+              <a:rPr lang="fr" sz="1800" b="1" smtClean="0">
+                <a:solidFill>
+                  <a:schemeClr val="dk2"/>
+                </a:solidFill>
+              </a:rPr>
+              <a:t>of </a:t>
+            </a:r>
+            <a:r>
+              <a:rPr lang="fr" sz="1800" b="1" smtClean="0">
+                <a:solidFill>
+                  <a:schemeClr val="dk2"/>
+                </a:solidFill>
+              </a:rPr>
+              <a:t>others protocols</a:t>
             </a:r>
             <a:endParaRPr lang="fr" sz="1800" b="1" dirty="0">
               <a:solidFill>
